--- a/003_React/lesson_24/Presentation/React_routing.pptx
+++ b/003_React/lesson_24/Presentation/React_routing.pptx
@@ -5,7 +5,7 @@
     <p:sldMasterId id="2147483662" r:id="rId1"/>
   </p:sldMasterIdLst>
   <p:sldIdLst>
-    <p:sldId id="257" r:id="rId2"/>
+    <p:sldId id="262" r:id="rId2"/>
     <p:sldId id="258" r:id="rId3"/>
     <p:sldId id="259" r:id="rId4"/>
     <p:sldId id="260" r:id="rId5"/>
@@ -618,7 +618,7 @@
     </p:spTree>
     <p:extLst>
       <p:ext uri="{BB962C8B-B14F-4D97-AF65-F5344CB8AC3E}">
-        <p14:creationId xmlns="" xmlns:p14="http://schemas.microsoft.com/office/powerpoint/2010/main" val="3537187278"/>
+        <p14:creationId xmlns:p14="http://schemas.microsoft.com/office/powerpoint/2010/main" xmlns="" val="3537187278"/>
       </p:ext>
     </p:extLst>
   </p:cSld>
@@ -664,7 +664,7 @@
           <a:blip r:embed="rId2" cstate="print">
             <a:extLst>
               <a:ext uri="{28A0092B-C50C-407E-A947-70E740481C1C}">
-                <a14:useLocalDpi xmlns="" xmlns:a14="http://schemas.microsoft.com/office/drawing/2010/main" val="0"/>
+                <a14:useLocalDpi xmlns:a14="http://schemas.microsoft.com/office/drawing/2010/main" xmlns="" val="0"/>
               </a:ext>
             </a:extLst>
           </a:blip>
@@ -688,14 +688,14 @@
           <a:effectLst/>
           <a:extLst>
             <a:ext uri="{909E8E84-426E-40DD-AFC4-6F175D3DCCD1}">
-              <a14:hiddenFill xmlns="" xmlns:a14="http://schemas.microsoft.com/office/drawing/2010/main">
+              <a14:hiddenFill xmlns:a14="http://schemas.microsoft.com/office/drawing/2010/main" xmlns="">
                 <a:solidFill>
                   <a:schemeClr val="accent1"/>
                 </a:solidFill>
               </a14:hiddenFill>
             </a:ext>
             <a:ext uri="{91240B29-F687-4F45-9708-019B960494DF}">
-              <a14:hiddenLine xmlns="" xmlns:a14="http://schemas.microsoft.com/office/drawing/2010/main" w="9525">
+              <a14:hiddenLine xmlns:a14="http://schemas.microsoft.com/office/drawing/2010/main" xmlns="" w="9525">
                 <a:solidFill>
                   <a:schemeClr val="tx1"/>
                 </a:solidFill>
@@ -705,7 +705,7 @@
               </a14:hiddenLine>
             </a:ext>
             <a:ext uri="{AF507438-7753-43E0-B8FC-AC1667EBCBE1}">
-              <a14:hiddenEffects xmlns="" xmlns:a14="http://schemas.microsoft.com/office/drawing/2010/main">
+              <a14:hiddenEffects xmlns:a14="http://schemas.microsoft.com/office/drawing/2010/main" xmlns="">
                 <a:effectLst>
                   <a:outerShdw dist="35921" dir="2700000" algn="ctr" rotWithShape="0">
                     <a:schemeClr val="bg2"/>
@@ -846,7 +846,7 @@
     </p:spTree>
     <p:extLst>
       <p:ext uri="{BB962C8B-B14F-4D97-AF65-F5344CB8AC3E}">
-        <p14:creationId xmlns="" xmlns:p14="http://schemas.microsoft.com/office/powerpoint/2010/main" val="2097366919"/>
+        <p14:creationId xmlns:p14="http://schemas.microsoft.com/office/powerpoint/2010/main" xmlns="" val="2097366919"/>
       </p:ext>
     </p:extLst>
   </p:cSld>
@@ -1368,7 +1368,7 @@
     </p:spTree>
     <p:extLst>
       <p:ext uri="{BB962C8B-B14F-4D97-AF65-F5344CB8AC3E}">
-        <p14:creationId xmlns="" xmlns:p14="http://schemas.microsoft.com/office/powerpoint/2010/main" val="3537187278"/>
+        <p14:creationId xmlns:p14="http://schemas.microsoft.com/office/powerpoint/2010/main" xmlns="" val="3537187278"/>
       </p:ext>
     </p:extLst>
   </p:cSld>
@@ -1436,7 +1436,7 @@
     </p:spTree>
     <p:extLst>
       <p:ext uri="{BB962C8B-B14F-4D97-AF65-F5344CB8AC3E}">
-        <p14:creationId xmlns="" xmlns:p14="http://schemas.microsoft.com/office/powerpoint/2010/main" val="779007194"/>
+        <p14:creationId xmlns:p14="http://schemas.microsoft.com/office/powerpoint/2010/main" xmlns="" val="779007194"/>
       </p:ext>
     </p:extLst>
   </p:cSld>
@@ -1792,7 +1792,7 @@
           <a:lstStyle/>
           <a:p>
             <a:r>
-              <a:rPr lang="en-US" sz="2700" dirty="0" smtClean="0">
+              <a:rPr lang="en-US" sz="2700" dirty="0">
                 <a:solidFill>
                   <a:schemeClr val="bg1"/>
                 </a:solidFill>
@@ -1800,18 +1800,7 @@
                 <a:ea typeface="Roboto Thin" panose="02000000000000000000" pitchFamily="2" charset="0"/>
                 <a:cs typeface="Roboto Thin" panose="02000000000000000000" pitchFamily="2" charset="0"/>
               </a:rPr>
-              <a:t>React </a:t>
-            </a:r>
-            <a:r>
-              <a:rPr lang="en-US" sz="2700" dirty="0" smtClean="0">
-                <a:solidFill>
-                  <a:schemeClr val="bg1"/>
-                </a:solidFill>
-                <a:latin typeface="Roboto Thin" panose="02000000000000000000" pitchFamily="2" charset="0"/>
-                <a:ea typeface="Roboto Thin" panose="02000000000000000000" pitchFamily="2" charset="0"/>
-                <a:cs typeface="Roboto Thin" panose="02000000000000000000" pitchFamily="2" charset="0"/>
-              </a:rPr>
-              <a:t>JS</a:t>
+              <a:t>React JS</a:t>
             </a:r>
             <a:endParaRPr lang="en-US" dirty="0">
               <a:solidFill>
@@ -1824,241 +1813,6 @@
           </a:p>
         </p:txBody>
       </p:sp>
-      <p:sp>
-        <p:nvSpPr>
-          <p:cNvPr id="6" name="Subtitle 2"/>
-          <p:cNvSpPr txBox="1">
-            <a:spLocks/>
-          </p:cNvSpPr>
-          <p:nvPr/>
-        </p:nvSpPr>
-        <p:spPr>
-          <a:xfrm>
-            <a:off x="806449" y="1281006"/>
-            <a:ext cx="6322695" cy="507831"/>
-          </a:xfrm>
-          <a:prstGeom prst="rect">
-            <a:avLst/>
-          </a:prstGeom>
-        </p:spPr>
-        <p:txBody>
-          <a:bodyPr wrap="square">
-            <a:spAutoFit/>
-          </a:bodyPr>
-          <a:lstStyle>
-            <a:lvl1pPr marL="0" indent="0" algn="l" defTabSz="914400" rtl="0" eaLnBrk="1" latinLnBrk="0" hangingPunct="1">
-              <a:spcBef>
-                <a:spcPct val="20000"/>
-              </a:spcBef>
-              <a:buFont typeface="Arial" pitchFamily="34" charset="0"/>
-              <a:buNone/>
-              <a:defRPr sz="3200" kern="1200">
-                <a:solidFill>
-                  <a:schemeClr val="tx1">
-                    <a:tint val="75000"/>
-                  </a:schemeClr>
-                </a:solidFill>
-                <a:latin typeface="+mj-lt"/>
-                <a:ea typeface="+mn-ea"/>
-                <a:cs typeface="+mn-cs"/>
-              </a:defRPr>
-            </a:lvl1pPr>
-            <a:lvl2pPr marL="457200" indent="0" algn="ctr" defTabSz="914400" rtl="0" eaLnBrk="1" latinLnBrk="0" hangingPunct="1">
-              <a:spcBef>
-                <a:spcPct val="20000"/>
-              </a:spcBef>
-              <a:buFont typeface="Arial" pitchFamily="34" charset="0"/>
-              <a:buNone/>
-              <a:defRPr sz="2800" kern="1200">
-                <a:solidFill>
-                  <a:schemeClr val="tx1">
-                    <a:tint val="75000"/>
-                  </a:schemeClr>
-                </a:solidFill>
-                <a:latin typeface="+mn-lt"/>
-                <a:ea typeface="+mn-ea"/>
-                <a:cs typeface="+mn-cs"/>
-              </a:defRPr>
-            </a:lvl2pPr>
-            <a:lvl3pPr marL="914400" indent="0" algn="ctr" defTabSz="914400" rtl="0" eaLnBrk="1" latinLnBrk="0" hangingPunct="1">
-              <a:spcBef>
-                <a:spcPct val="20000"/>
-              </a:spcBef>
-              <a:buFont typeface="Arial" pitchFamily="34" charset="0"/>
-              <a:buNone/>
-              <a:defRPr sz="2400" kern="1200">
-                <a:solidFill>
-                  <a:schemeClr val="tx1">
-                    <a:tint val="75000"/>
-                  </a:schemeClr>
-                </a:solidFill>
-                <a:latin typeface="+mn-lt"/>
-                <a:ea typeface="+mn-ea"/>
-                <a:cs typeface="+mn-cs"/>
-              </a:defRPr>
-            </a:lvl3pPr>
-            <a:lvl4pPr marL="1371600" indent="0" algn="ctr" defTabSz="914400" rtl="0" eaLnBrk="1" latinLnBrk="0" hangingPunct="1">
-              <a:spcBef>
-                <a:spcPct val="20000"/>
-              </a:spcBef>
-              <a:buFont typeface="Arial" pitchFamily="34" charset="0"/>
-              <a:buNone/>
-              <a:defRPr sz="2000" kern="1200">
-                <a:solidFill>
-                  <a:schemeClr val="tx1">
-                    <a:tint val="75000"/>
-                  </a:schemeClr>
-                </a:solidFill>
-                <a:latin typeface="+mn-lt"/>
-                <a:ea typeface="+mn-ea"/>
-                <a:cs typeface="+mn-cs"/>
-              </a:defRPr>
-            </a:lvl4pPr>
-            <a:lvl5pPr marL="1828800" indent="0" algn="ctr" defTabSz="914400" rtl="0" eaLnBrk="1" latinLnBrk="0" hangingPunct="1">
-              <a:spcBef>
-                <a:spcPct val="20000"/>
-              </a:spcBef>
-              <a:buFont typeface="Arial" pitchFamily="34" charset="0"/>
-              <a:buNone/>
-              <a:defRPr sz="2000" kern="1200">
-                <a:solidFill>
-                  <a:schemeClr val="tx1">
-                    <a:tint val="75000"/>
-                  </a:schemeClr>
-                </a:solidFill>
-                <a:latin typeface="+mn-lt"/>
-                <a:ea typeface="+mn-ea"/>
-                <a:cs typeface="+mn-cs"/>
-              </a:defRPr>
-            </a:lvl5pPr>
-            <a:lvl6pPr marL="2286000" indent="0" algn="ctr" defTabSz="914400" rtl="0" eaLnBrk="1" latinLnBrk="0" hangingPunct="1">
-              <a:spcBef>
-                <a:spcPct val="20000"/>
-              </a:spcBef>
-              <a:buFont typeface="Arial" pitchFamily="34" charset="0"/>
-              <a:buNone/>
-              <a:defRPr sz="2000" kern="1200">
-                <a:solidFill>
-                  <a:schemeClr val="tx1">
-                    <a:tint val="75000"/>
-                  </a:schemeClr>
-                </a:solidFill>
-                <a:latin typeface="+mn-lt"/>
-                <a:ea typeface="+mn-ea"/>
-                <a:cs typeface="+mn-cs"/>
-              </a:defRPr>
-            </a:lvl6pPr>
-            <a:lvl7pPr marL="2743200" indent="0" algn="ctr" defTabSz="914400" rtl="0" eaLnBrk="1" latinLnBrk="0" hangingPunct="1">
-              <a:spcBef>
-                <a:spcPct val="20000"/>
-              </a:spcBef>
-              <a:buFont typeface="Arial" pitchFamily="34" charset="0"/>
-              <a:buNone/>
-              <a:defRPr sz="2000" kern="1200">
-                <a:solidFill>
-                  <a:schemeClr val="tx1">
-                    <a:tint val="75000"/>
-                  </a:schemeClr>
-                </a:solidFill>
-                <a:latin typeface="+mn-lt"/>
-                <a:ea typeface="+mn-ea"/>
-                <a:cs typeface="+mn-cs"/>
-              </a:defRPr>
-            </a:lvl7pPr>
-            <a:lvl8pPr marL="3200400" indent="0" algn="ctr" defTabSz="914400" rtl="0" eaLnBrk="1" latinLnBrk="0" hangingPunct="1">
-              <a:spcBef>
-                <a:spcPct val="20000"/>
-              </a:spcBef>
-              <a:buFont typeface="Arial" pitchFamily="34" charset="0"/>
-              <a:buNone/>
-              <a:defRPr sz="2000" kern="1200">
-                <a:solidFill>
-                  <a:schemeClr val="tx1">
-                    <a:tint val="75000"/>
-                  </a:schemeClr>
-                </a:solidFill>
-                <a:latin typeface="+mn-lt"/>
-                <a:ea typeface="+mn-ea"/>
-                <a:cs typeface="+mn-cs"/>
-              </a:defRPr>
-            </a:lvl8pPr>
-            <a:lvl9pPr marL="3657600" indent="0" algn="ctr" defTabSz="914400" rtl="0" eaLnBrk="1" latinLnBrk="0" hangingPunct="1">
-              <a:spcBef>
-                <a:spcPct val="20000"/>
-              </a:spcBef>
-              <a:buFont typeface="Arial" pitchFamily="34" charset="0"/>
-              <a:buNone/>
-              <a:defRPr sz="2000" kern="1200">
-                <a:solidFill>
-                  <a:schemeClr val="tx1">
-                    <a:tint val="75000"/>
-                  </a:schemeClr>
-                </a:solidFill>
-                <a:latin typeface="+mn-lt"/>
-                <a:ea typeface="+mn-ea"/>
-                <a:cs typeface="+mn-cs"/>
-              </a:defRPr>
-            </a:lvl9pPr>
-          </a:lstStyle>
-          <a:p>
-            <a:r>
-              <a:rPr lang="en-US" sz="2700" dirty="0">
-                <a:solidFill>
-                  <a:schemeClr val="tx1">
-                    <a:lumMod val="90000"/>
-                    <a:lumOff val="10000"/>
-                  </a:schemeClr>
-                </a:solidFill>
-                <a:latin typeface="Roboto Light" panose="02000000000000000000" pitchFamily="2" charset="0"/>
-                <a:ea typeface="Roboto Light" panose="02000000000000000000" pitchFamily="2" charset="0"/>
-                <a:cs typeface="Roboto Light" panose="02000000000000000000" pitchFamily="2" charset="0"/>
-              </a:rPr>
-              <a:t>The JavaScript Programming Language</a:t>
-            </a:r>
-          </a:p>
-        </p:txBody>
-      </p:sp>
-      <p:pic>
-        <p:nvPicPr>
-          <p:cNvPr id="1028" name="Picture 4" descr="C:\Users\Darick\Desktop\Mmww2.png"/>
-          <p:cNvPicPr>
-            <a:picLocks noChangeAspect="1" noChangeArrowheads="1"/>
-          </p:cNvPicPr>
-          <p:nvPr/>
-        </p:nvPicPr>
-        <p:blipFill>
-          <a:blip r:embed="rId2" cstate="print">
-            <a:extLst>
-              <a:ext uri="{28A0092B-C50C-407E-A947-70E740481C1C}">
-                <a14:useLocalDpi xmlns="" xmlns:a14="http://schemas.microsoft.com/office/drawing/2010/main" val="0"/>
-              </a:ext>
-            </a:extLst>
-          </a:blip>
-          <a:srcRect/>
-          <a:stretch>
-            <a:fillRect/>
-          </a:stretch>
-        </p:blipFill>
-        <p:spPr bwMode="auto">
-          <a:xfrm>
-            <a:off x="1" y="698501"/>
-            <a:ext cx="809625" cy="1079500"/>
-          </a:xfrm>
-          <a:prstGeom prst="rect">
-            <a:avLst/>
-          </a:prstGeom>
-          <a:noFill/>
-          <a:extLst>
-            <a:ext uri="{909E8E84-426E-40DD-AFC4-6F175D3DCCD1}">
-              <a14:hiddenFill xmlns="" xmlns:a14="http://schemas.microsoft.com/office/drawing/2010/main">
-                <a:solidFill>
-                  <a:srgbClr val="FFFFFF"/>
-                </a:solidFill>
-              </a14:hiddenFill>
-            </a:ext>
-          </a:extLst>
-        </p:spPr>
-      </p:pic>
       <p:sp>
         <p:nvSpPr>
           <p:cNvPr id="5" name="TextBox 4"/>
@@ -2081,35 +1835,51 @@
           </a:bodyPr>
           <a:lstStyle/>
           <a:p>
-            <a:pPr lvl="0"/>
             <a:r>
               <a:rPr lang="ru-RU" sz="4400" dirty="0" smtClean="0">
                 <a:solidFill>
                   <a:srgbClr val="7564BC"/>
                 </a:solidFill>
-              </a:rPr>
-              <a:t>Маршрутизация в </a:t>
-            </a:r>
-            <a:r>
-              <a:rPr lang="en-US" sz="4400" dirty="0" err="1" smtClean="0">
-                <a:solidFill>
-                  <a:srgbClr val="7564BC"/>
-                </a:solidFill>
-              </a:rPr>
-              <a:t>ReactJS</a:t>
+                <a:latin typeface="Calibri" panose="020F0502020204030204" pitchFamily="34" charset="0"/>
+              </a:rPr>
+              <a:t>Маршрутизация</a:t>
             </a:r>
             <a:endParaRPr lang="en-US" dirty="0">
-              <a:solidFill>
-                <a:srgbClr val="2F2F2F"/>
-              </a:solidFill>
+              <a:latin typeface="Calibri" panose="020F0502020204030204" pitchFamily="34" charset="0"/>
             </a:endParaRPr>
           </a:p>
         </p:txBody>
       </p:sp>
+      <p:pic>
+        <p:nvPicPr>
+          <p:cNvPr id="8" name="Picture 7" descr="http://moduscreate.com/wp-content/uploads/2014/03/react-opti.png"/>
+          <p:cNvPicPr>
+            <a:picLocks noChangeAspect="1" noChangeArrowheads="1"/>
+          </p:cNvPicPr>
+          <p:nvPr/>
+        </p:nvPicPr>
+        <p:blipFill>
+          <a:blip r:embed="rId2" cstate="print"/>
+          <a:srcRect/>
+          <a:stretch>
+            <a:fillRect/>
+          </a:stretch>
+        </p:blipFill>
+        <p:spPr bwMode="auto">
+          <a:xfrm>
+            <a:off x="976312" y="1556792"/>
+            <a:ext cx="3613398" cy="1005729"/>
+          </a:xfrm>
+          <a:prstGeom prst="rect">
+            <a:avLst/>
+          </a:prstGeom>
+          <a:noFill/>
+        </p:spPr>
+      </p:pic>
     </p:spTree>
     <p:extLst>
       <p:ext uri="{BB962C8B-B14F-4D97-AF65-F5344CB8AC3E}">
-        <p14:creationId xmlns="" xmlns:p14="http://schemas.microsoft.com/office/powerpoint/2010/main" val="3436223543"/>
+        <p14:creationId xmlns:p14="http://schemas.microsoft.com/office/powerpoint/2010/main" xmlns="" val="3436223543"/>
       </p:ext>
     </p:extLst>
   </p:cSld>
